--- a/Results/Correlations.pptx
+++ b/Results/Correlations.pptx
@@ -3334,7 +3334,7 @@
           <p:cNvPr id="0" name="slide1">
             <a:extLst>
               <a:ext uri="{FF2B5EF4-FFF2-40B4-BE49-F238E27FC236}">
-                <a16:creationId xmlns:a16="http://schemas.microsoft.com/office/drawing/2014/main" id="{0F8A3144-ED79-4569-8BFF-D7CAE9F2A304}"/>
+                <a16:creationId xmlns:a16="http://schemas.microsoft.com/office/drawing/2014/main" id="{9F0311BE-429E-45D6-B22A-D7F8B1063A17}"/>
               </a:ext>
             </a:extLst>
           </p:cNvPr>
@@ -3362,7 +3362,7 @@
           <p:cNvPr id="1" name="slide1">
             <a:extLst>
               <a:ext uri="{FF2B5EF4-FFF2-40B4-BE49-F238E27FC236}">
-                <a16:creationId xmlns:a16="http://schemas.microsoft.com/office/drawing/2014/main" id="{C2CD6805-EC7F-42DD-9E1A-FA2C3D3DD833}"/>
+                <a16:creationId xmlns:a16="http://schemas.microsoft.com/office/drawing/2014/main" id="{D4F83AD4-C23E-47C0-A5A8-45477A69A5E7}"/>
               </a:ext>
             </a:extLst>
           </p:cNvPr>
@@ -3380,7 +3380,7 @@
           <a:p>
             <a:r>
               <a:rPr/>
-              <a:t>File created on: 10/5/20 3:59:21 PM EDT</a:t>
+              <a:t>File created on: 10/5/20 6:52:52 PM EDT</a:t>
             </a:r>
           </a:p>
         </p:txBody>
@@ -3420,7 +3420,7 @@
           <p:cNvPr descr="TRX Corr" id="2" name="slide2">
             <a:extLst>
               <a:ext uri="{FF2B5EF4-FFF2-40B4-BE49-F238E27FC236}">
-                <a16:creationId xmlns:a16="http://schemas.microsoft.com/office/drawing/2014/main" id="{7197C488-25BA-4FCD-B852-C1630490E7F8}"/>
+                <a16:creationId xmlns:a16="http://schemas.microsoft.com/office/drawing/2014/main" id="{F3578F8E-F9EA-47A8-9D70-EBE35BAAB080}"/>
               </a:ext>
             </a:extLst>
           </p:cNvPr>
@@ -3486,7 +3486,7 @@
           <p:cNvPr descr="TRX Top 20 + corr" id="3" name="slide3">
             <a:extLst>
               <a:ext uri="{FF2B5EF4-FFF2-40B4-BE49-F238E27FC236}">
-                <a16:creationId xmlns:a16="http://schemas.microsoft.com/office/drawing/2014/main" id="{C5118F69-0251-4C57-B0AE-0FF0CCA9C1B4}"/>
+                <a16:creationId xmlns:a16="http://schemas.microsoft.com/office/drawing/2014/main" id="{423CD558-D2A6-4721-808B-5C5D4028917F}"/>
               </a:ext>
             </a:extLst>
           </p:cNvPr>
@@ -3552,7 +3552,7 @@
           <p:cNvPr descr="TRX Top 20 - corr" id="4" name="slide4">
             <a:extLst>
               <a:ext uri="{FF2B5EF4-FFF2-40B4-BE49-F238E27FC236}">
-                <a16:creationId xmlns:a16="http://schemas.microsoft.com/office/drawing/2014/main" id="{2922B21F-9DE9-4C2C-9CE6-F41F49BEDB02}"/>
+                <a16:creationId xmlns:a16="http://schemas.microsoft.com/office/drawing/2014/main" id="{1E09CE89-7FD0-4979-8BD5-F7CFBB55D4B1}"/>
               </a:ext>
             </a:extLst>
           </p:cNvPr>
@@ -3618,7 +3618,7 @@
           <p:cNvPr descr="TRX Count Corr" id="5" name="slide5">
             <a:extLst>
               <a:ext uri="{FF2B5EF4-FFF2-40B4-BE49-F238E27FC236}">
-                <a16:creationId xmlns:a16="http://schemas.microsoft.com/office/drawing/2014/main" id="{7C7F605D-A56E-4DBB-9E3B-129497C77D00}"/>
+                <a16:creationId xmlns:a16="http://schemas.microsoft.com/office/drawing/2014/main" id="{49F2C9D3-7156-446F-85F7-BEB5093AF7B9}"/>
               </a:ext>
             </a:extLst>
           </p:cNvPr>
@@ -3684,7 +3684,7 @@
           <p:cNvPr descr="CHG Corr" id="6" name="slide6">
             <a:extLst>
               <a:ext uri="{FF2B5EF4-FFF2-40B4-BE49-F238E27FC236}">
-                <a16:creationId xmlns:a16="http://schemas.microsoft.com/office/drawing/2014/main" id="{DF5769E3-B457-416C-AD7F-5EF2559FDBFE}"/>
+                <a16:creationId xmlns:a16="http://schemas.microsoft.com/office/drawing/2014/main" id="{9B2BF643-7B37-42FA-93B8-9ADF6ED359D1}"/>
               </a:ext>
             </a:extLst>
           </p:cNvPr>
@@ -3750,7 +3750,7 @@
           <p:cNvPr descr="CHG top 20 + corr" id="7" name="slide7">
             <a:extLst>
               <a:ext uri="{FF2B5EF4-FFF2-40B4-BE49-F238E27FC236}">
-                <a16:creationId xmlns:a16="http://schemas.microsoft.com/office/drawing/2014/main" id="{0BEB98C4-37C3-46F6-B915-3725FB1F6B16}"/>
+                <a16:creationId xmlns:a16="http://schemas.microsoft.com/office/drawing/2014/main" id="{FF178139-B1F2-4A34-A61D-8471DE96A473}"/>
               </a:ext>
             </a:extLst>
           </p:cNvPr>
@@ -3816,7 +3816,7 @@
           <p:cNvPr descr="CHG top 20 - corr" id="8" name="slide8">
             <a:extLst>
               <a:ext uri="{FF2B5EF4-FFF2-40B4-BE49-F238E27FC236}">
-                <a16:creationId xmlns:a16="http://schemas.microsoft.com/office/drawing/2014/main" id="{381CD926-E87C-4D04-84A8-C32822D3543C}"/>
+                <a16:creationId xmlns:a16="http://schemas.microsoft.com/office/drawing/2014/main" id="{C3115E81-F352-441E-8A84-4CE078E7551A}"/>
               </a:ext>
             </a:extLst>
           </p:cNvPr>
@@ -3882,7 +3882,7 @@
           <p:cNvPr descr="CHG Count Corr" id="9" name="slide9">
             <a:extLst>
               <a:ext uri="{FF2B5EF4-FFF2-40B4-BE49-F238E27FC236}">
-                <a16:creationId xmlns:a16="http://schemas.microsoft.com/office/drawing/2014/main" id="{1145C380-A461-4CA9-9C71-2B6F11F111A9}"/>
+                <a16:creationId xmlns:a16="http://schemas.microsoft.com/office/drawing/2014/main" id="{A25478AC-5DA3-4348-9DF2-0CAD791A01DC}"/>
               </a:ext>
             </a:extLst>
           </p:cNvPr>
@@ -3905,8 +3905,8 @@
         </p:blipFill>
         <p:spPr>
           <a:xfrm>
-            <a:off x="2313643" y="0"/>
-            <a:ext cx="7564713" cy="6858000"/>
+            <a:off x="2263164" y="0"/>
+            <a:ext cx="7665672" cy="6858000"/>
           </a:xfrm>
           <a:prstGeom prst="rect">
             <a:avLst/>
